--- a/caméra.pptx
+++ b/caméra.pptx
@@ -6,6 +6,7 @@
   </p:sldMasterIdLst>
   <p:sldIdLst>
     <p:sldId id="256" r:id="rId2"/>
+    <p:sldId id="257" r:id="rId3"/>
   </p:sldIdLst>
   <p:sldSz cx="12192000" cy="6858000"/>
   <p:notesSz cx="6858000" cy="9144000"/>
@@ -261,7 +262,7 @@
           <a:p>
             <a:fld id="{20DA81B0-82CC-4F00-8759-EE48F19A2E3F}" type="datetimeFigureOut">
               <a:rPr lang="fr-TN" smtClean="0"/>
-              <a:t>17/03/2025</a:t>
+              <a:t>18/03/2025</a:t>
             </a:fld>
             <a:endParaRPr lang="fr-TN"/>
           </a:p>
@@ -461,7 +462,7 @@
           <a:p>
             <a:fld id="{20DA81B0-82CC-4F00-8759-EE48F19A2E3F}" type="datetimeFigureOut">
               <a:rPr lang="fr-TN" smtClean="0"/>
-              <a:t>17/03/2025</a:t>
+              <a:t>18/03/2025</a:t>
             </a:fld>
             <a:endParaRPr lang="fr-TN"/>
           </a:p>
@@ -671,7 +672,7 @@
           <a:p>
             <a:fld id="{20DA81B0-82CC-4F00-8759-EE48F19A2E3F}" type="datetimeFigureOut">
               <a:rPr lang="fr-TN" smtClean="0"/>
-              <a:t>17/03/2025</a:t>
+              <a:t>18/03/2025</a:t>
             </a:fld>
             <a:endParaRPr lang="fr-TN"/>
           </a:p>
@@ -871,7 +872,7 @@
           <a:p>
             <a:fld id="{20DA81B0-82CC-4F00-8759-EE48F19A2E3F}" type="datetimeFigureOut">
               <a:rPr lang="fr-TN" smtClean="0"/>
-              <a:t>17/03/2025</a:t>
+              <a:t>18/03/2025</a:t>
             </a:fld>
             <a:endParaRPr lang="fr-TN"/>
           </a:p>
@@ -1147,7 +1148,7 @@
           <a:p>
             <a:fld id="{20DA81B0-82CC-4F00-8759-EE48F19A2E3F}" type="datetimeFigureOut">
               <a:rPr lang="fr-TN" smtClean="0"/>
-              <a:t>17/03/2025</a:t>
+              <a:t>18/03/2025</a:t>
             </a:fld>
             <a:endParaRPr lang="fr-TN"/>
           </a:p>
@@ -1415,7 +1416,7 @@
           <a:p>
             <a:fld id="{20DA81B0-82CC-4F00-8759-EE48F19A2E3F}" type="datetimeFigureOut">
               <a:rPr lang="fr-TN" smtClean="0"/>
-              <a:t>17/03/2025</a:t>
+              <a:t>18/03/2025</a:t>
             </a:fld>
             <a:endParaRPr lang="fr-TN"/>
           </a:p>
@@ -1830,7 +1831,7 @@
           <a:p>
             <a:fld id="{20DA81B0-82CC-4F00-8759-EE48F19A2E3F}" type="datetimeFigureOut">
               <a:rPr lang="fr-TN" smtClean="0"/>
-              <a:t>17/03/2025</a:t>
+              <a:t>18/03/2025</a:t>
             </a:fld>
             <a:endParaRPr lang="fr-TN"/>
           </a:p>
@@ -1972,7 +1973,7 @@
           <a:p>
             <a:fld id="{20DA81B0-82CC-4F00-8759-EE48F19A2E3F}" type="datetimeFigureOut">
               <a:rPr lang="fr-TN" smtClean="0"/>
-              <a:t>17/03/2025</a:t>
+              <a:t>18/03/2025</a:t>
             </a:fld>
             <a:endParaRPr lang="fr-TN"/>
           </a:p>
@@ -2085,7 +2086,7 @@
           <a:p>
             <a:fld id="{20DA81B0-82CC-4F00-8759-EE48F19A2E3F}" type="datetimeFigureOut">
               <a:rPr lang="fr-TN" smtClean="0"/>
-              <a:t>17/03/2025</a:t>
+              <a:t>18/03/2025</a:t>
             </a:fld>
             <a:endParaRPr lang="fr-TN"/>
           </a:p>
@@ -2398,7 +2399,7 @@
           <a:p>
             <a:fld id="{20DA81B0-82CC-4F00-8759-EE48F19A2E3F}" type="datetimeFigureOut">
               <a:rPr lang="fr-TN" smtClean="0"/>
-              <a:t>17/03/2025</a:t>
+              <a:t>18/03/2025</a:t>
             </a:fld>
             <a:endParaRPr lang="fr-TN"/>
           </a:p>
@@ -2687,7 +2688,7 @@
           <a:p>
             <a:fld id="{20DA81B0-82CC-4F00-8759-EE48F19A2E3F}" type="datetimeFigureOut">
               <a:rPr lang="fr-TN" smtClean="0"/>
-              <a:t>17/03/2025</a:t>
+              <a:t>18/03/2025</a:t>
             </a:fld>
             <a:endParaRPr lang="fr-TN"/>
           </a:p>
@@ -2930,7 +2931,7 @@
           <a:p>
             <a:fld id="{20DA81B0-82CC-4F00-8759-EE48F19A2E3F}" type="datetimeFigureOut">
               <a:rPr lang="fr-TN" smtClean="0"/>
-              <a:t>17/03/2025</a:t>
+              <a:t>18/03/2025</a:t>
             </a:fld>
             <a:endParaRPr lang="fr-TN"/>
           </a:p>
@@ -4277,6 +4278,78 @@
 </p:sld>
 </file>
 
+<file path=ppt/slides/slide2.xml><?xml version="1.0" encoding="utf-8"?>
+<p:sld xmlns:a="http://schemas.openxmlformats.org/drawingml/2006/main" xmlns:r="http://schemas.openxmlformats.org/officeDocument/2006/relationships" xmlns:p="http://schemas.openxmlformats.org/presentationml/2006/main">
+  <p:cSld>
+    <p:spTree>
+      <p:nvGrpSpPr>
+        <p:cNvPr id="1" name="">
+          <a:extLst>
+            <a:ext uri="{FF2B5EF4-FFF2-40B4-BE49-F238E27FC236}">
+              <a16:creationId xmlns:a16="http://schemas.microsoft.com/office/drawing/2014/main" id="{0A780A82-5FA6-1EC0-DDAE-3B990243D8A3}"/>
+            </a:ext>
+          </a:extLst>
+        </p:cNvPr>
+        <p:cNvGrpSpPr/>
+        <p:nvPr/>
+      </p:nvGrpSpPr>
+      <p:grpSpPr>
+        <a:xfrm>
+          <a:off x="0" y="0"/>
+          <a:ext cx="0" cy="0"/>
+          <a:chOff x="0" y="0"/>
+          <a:chExt cx="0" cy="0"/>
+        </a:xfrm>
+      </p:grpSpPr>
+      <p:sp>
+        <p:nvSpPr>
+          <p:cNvPr id="3" name="ZoneTexte 2">
+            <a:extLst>
+              <a:ext uri="{FF2B5EF4-FFF2-40B4-BE49-F238E27FC236}">
+                <a16:creationId xmlns:a16="http://schemas.microsoft.com/office/drawing/2014/main" id="{F929CC66-12DB-041E-B48F-FF4D45419595}"/>
+              </a:ext>
+            </a:extLst>
+          </p:cNvPr>
+          <p:cNvSpPr txBox="1"/>
+          <p:nvPr/>
+        </p:nvSpPr>
+        <p:spPr>
+          <a:xfrm>
+            <a:off x="1875408" y="1554383"/>
+            <a:ext cx="6094520" cy="2862322"/>
+          </a:xfrm>
+          <a:prstGeom prst="rect">
+            <a:avLst/>
+          </a:prstGeom>
+          <a:noFill/>
+        </p:spPr>
+        <p:txBody>
+          <a:bodyPr wrap="square">
+            <a:spAutoFit/>
+          </a:bodyPr>
+          <a:lstStyle/>
+          <a:p>
+            <a:r>
+              <a:rPr lang="fr-FR" dirty="0"/>
+              <a:t>Cette partie de notre projet permet de surveiller un espace en temps réel grâce à une interface intuitive. L'utilisateur peut visualiser le flux vidéo en direct et contrôler l'orientation de la caméra à distance à l'aide des boutons de direction. Un bouton d'enregistrement permet de sauvegarder les séquences vidéo en cas de besoin. De plus, un système de détection automatique signale toute activité suspecte, déclenchant un enregistrement d'une minute si un mouvement est détecté. Un historique est également accessible pour revoir les enregistrements.</a:t>
+            </a:r>
+            <a:endParaRPr lang="fr-TN" dirty="0"/>
+          </a:p>
+        </p:txBody>
+      </p:sp>
+    </p:spTree>
+    <p:extLst>
+      <p:ext uri="{BB962C8B-B14F-4D97-AF65-F5344CB8AC3E}">
+        <p14:creationId xmlns:p14="http://schemas.microsoft.com/office/powerpoint/2010/main" val="1325718587"/>
+      </p:ext>
+    </p:extLst>
+  </p:cSld>
+  <p:clrMapOvr>
+    <a:masterClrMapping/>
+  </p:clrMapOvr>
+</p:sld>
+</file>
+
 <file path=ppt/theme/theme1.xml><?xml version="1.0" encoding="utf-8"?>
 <a:theme xmlns:a="http://schemas.openxmlformats.org/drawingml/2006/main" name="Thème Office">
   <a:themeElements>

--- a/caméra.pptx
+++ b/caméra.pptx
@@ -6,7 +6,8 @@
   </p:sldMasterIdLst>
   <p:sldIdLst>
     <p:sldId id="256" r:id="rId2"/>
-    <p:sldId id="257" r:id="rId3"/>
+    <p:sldId id="258" r:id="rId3"/>
+    <p:sldId id="257" r:id="rId4"/>
   </p:sldIdLst>
   <p:sldSz cx="12192000" cy="6858000"/>
   <p:notesSz cx="6858000" cy="9144000"/>
@@ -262,7 +263,7 @@
           <a:p>
             <a:fld id="{20DA81B0-82CC-4F00-8759-EE48F19A2E3F}" type="datetimeFigureOut">
               <a:rPr lang="fr-TN" smtClean="0"/>
-              <a:t>18/03/2025</a:t>
+              <a:t>20/03/2025</a:t>
             </a:fld>
             <a:endParaRPr lang="fr-TN"/>
           </a:p>
@@ -462,7 +463,7 @@
           <a:p>
             <a:fld id="{20DA81B0-82CC-4F00-8759-EE48F19A2E3F}" type="datetimeFigureOut">
               <a:rPr lang="fr-TN" smtClean="0"/>
-              <a:t>18/03/2025</a:t>
+              <a:t>20/03/2025</a:t>
             </a:fld>
             <a:endParaRPr lang="fr-TN"/>
           </a:p>
@@ -672,7 +673,7 @@
           <a:p>
             <a:fld id="{20DA81B0-82CC-4F00-8759-EE48F19A2E3F}" type="datetimeFigureOut">
               <a:rPr lang="fr-TN" smtClean="0"/>
-              <a:t>18/03/2025</a:t>
+              <a:t>20/03/2025</a:t>
             </a:fld>
             <a:endParaRPr lang="fr-TN"/>
           </a:p>
@@ -872,7 +873,7 @@
           <a:p>
             <a:fld id="{20DA81B0-82CC-4F00-8759-EE48F19A2E3F}" type="datetimeFigureOut">
               <a:rPr lang="fr-TN" smtClean="0"/>
-              <a:t>18/03/2025</a:t>
+              <a:t>20/03/2025</a:t>
             </a:fld>
             <a:endParaRPr lang="fr-TN"/>
           </a:p>
@@ -1148,7 +1149,7 @@
           <a:p>
             <a:fld id="{20DA81B0-82CC-4F00-8759-EE48F19A2E3F}" type="datetimeFigureOut">
               <a:rPr lang="fr-TN" smtClean="0"/>
-              <a:t>18/03/2025</a:t>
+              <a:t>20/03/2025</a:t>
             </a:fld>
             <a:endParaRPr lang="fr-TN"/>
           </a:p>
@@ -1416,7 +1417,7 @@
           <a:p>
             <a:fld id="{20DA81B0-82CC-4F00-8759-EE48F19A2E3F}" type="datetimeFigureOut">
               <a:rPr lang="fr-TN" smtClean="0"/>
-              <a:t>18/03/2025</a:t>
+              <a:t>20/03/2025</a:t>
             </a:fld>
             <a:endParaRPr lang="fr-TN"/>
           </a:p>
@@ -1831,7 +1832,7 @@
           <a:p>
             <a:fld id="{20DA81B0-82CC-4F00-8759-EE48F19A2E3F}" type="datetimeFigureOut">
               <a:rPr lang="fr-TN" smtClean="0"/>
-              <a:t>18/03/2025</a:t>
+              <a:t>20/03/2025</a:t>
             </a:fld>
             <a:endParaRPr lang="fr-TN"/>
           </a:p>
@@ -1973,7 +1974,7 @@
           <a:p>
             <a:fld id="{20DA81B0-82CC-4F00-8759-EE48F19A2E3F}" type="datetimeFigureOut">
               <a:rPr lang="fr-TN" smtClean="0"/>
-              <a:t>18/03/2025</a:t>
+              <a:t>20/03/2025</a:t>
             </a:fld>
             <a:endParaRPr lang="fr-TN"/>
           </a:p>
@@ -2086,7 +2087,7 @@
           <a:p>
             <a:fld id="{20DA81B0-82CC-4F00-8759-EE48F19A2E3F}" type="datetimeFigureOut">
               <a:rPr lang="fr-TN" smtClean="0"/>
-              <a:t>18/03/2025</a:t>
+              <a:t>20/03/2025</a:t>
             </a:fld>
             <a:endParaRPr lang="fr-TN"/>
           </a:p>
@@ -2399,7 +2400,7 @@
           <a:p>
             <a:fld id="{20DA81B0-82CC-4F00-8759-EE48F19A2E3F}" type="datetimeFigureOut">
               <a:rPr lang="fr-TN" smtClean="0"/>
-              <a:t>18/03/2025</a:t>
+              <a:t>20/03/2025</a:t>
             </a:fld>
             <a:endParaRPr lang="fr-TN"/>
           </a:p>
@@ -2688,7 +2689,7 @@
           <a:p>
             <a:fld id="{20DA81B0-82CC-4F00-8759-EE48F19A2E3F}" type="datetimeFigureOut">
               <a:rPr lang="fr-TN" smtClean="0"/>
-              <a:t>18/03/2025</a:t>
+              <a:t>20/03/2025</a:t>
             </a:fld>
             <a:endParaRPr lang="fr-TN"/>
           </a:p>
@@ -2931,7 +2932,7 @@
           <a:p>
             <a:fld id="{20DA81B0-82CC-4F00-8759-EE48F19A2E3F}" type="datetimeFigureOut">
               <a:rPr lang="fr-TN" smtClean="0"/>
-              <a:t>18/03/2025</a:t>
+              <a:t>20/03/2025</a:t>
             </a:fld>
             <a:endParaRPr lang="fr-TN"/>
           </a:p>
@@ -4283,6 +4284,320 @@
   <p:cSld>
     <p:spTree>
       <p:nvGrpSpPr>
+        <p:cNvPr id="1" name=""/>
+        <p:cNvGrpSpPr/>
+        <p:nvPr/>
+      </p:nvGrpSpPr>
+      <p:grpSpPr>
+        <a:xfrm>
+          <a:off x="0" y="0"/>
+          <a:ext cx="0" cy="0"/>
+          <a:chOff x="0" y="0"/>
+          <a:chExt cx="0" cy="0"/>
+        </a:xfrm>
+      </p:grpSpPr>
+      <p:sp>
+        <p:nvSpPr>
+          <p:cNvPr id="4" name="Rectangle 3">
+            <a:extLst>
+              <a:ext uri="{FF2B5EF4-FFF2-40B4-BE49-F238E27FC236}">
+                <a16:creationId xmlns:a16="http://schemas.microsoft.com/office/drawing/2014/main" id="{0BD0B7C3-9F5D-4B58-98B7-13B1DAEC79EA}"/>
+              </a:ext>
+            </a:extLst>
+          </p:cNvPr>
+          <p:cNvSpPr/>
+          <p:nvPr/>
+        </p:nvSpPr>
+        <p:spPr>
+          <a:xfrm>
+            <a:off x="2730316" y="1431523"/>
+            <a:ext cx="4547772" cy="3426781"/>
+          </a:xfrm>
+          <a:prstGeom prst="rect">
+            <a:avLst/>
+          </a:prstGeom>
+        </p:spPr>
+        <p:style>
+          <a:lnRef idx="2">
+            <a:schemeClr val="accent1">
+              <a:shade val="15000"/>
+            </a:schemeClr>
+          </a:lnRef>
+          <a:fillRef idx="1">
+            <a:schemeClr val="accent1"/>
+          </a:fillRef>
+          <a:effectRef idx="0">
+            <a:schemeClr val="accent1"/>
+          </a:effectRef>
+          <a:fontRef idx="minor">
+            <a:schemeClr val="lt1"/>
+          </a:fontRef>
+        </p:style>
+        <p:txBody>
+          <a:bodyPr rtlCol="0" anchor="ctr"/>
+          <a:lstStyle/>
+          <a:p>
+            <a:pPr algn="ctr"/>
+            <a:endParaRPr lang="fr-TN" dirty="0"/>
+          </a:p>
+        </p:txBody>
+      </p:sp>
+      <p:sp>
+        <p:nvSpPr>
+          <p:cNvPr id="5" name="Rectangle 4">
+            <a:extLst>
+              <a:ext uri="{FF2B5EF4-FFF2-40B4-BE49-F238E27FC236}">
+                <a16:creationId xmlns:a16="http://schemas.microsoft.com/office/drawing/2014/main" id="{465DC7D1-FE6A-5DD9-3725-F72A4C9A65DD}"/>
+              </a:ext>
+            </a:extLst>
+          </p:cNvPr>
+          <p:cNvSpPr/>
+          <p:nvPr/>
+        </p:nvSpPr>
+        <p:spPr>
+          <a:xfrm>
+            <a:off x="4324799" y="1560733"/>
+            <a:ext cx="2467648" cy="334417"/>
+          </a:xfrm>
+          <a:prstGeom prst="rect">
+            <a:avLst/>
+          </a:prstGeom>
+        </p:spPr>
+        <p:style>
+          <a:lnRef idx="1">
+            <a:schemeClr val="accent1"/>
+          </a:lnRef>
+          <a:fillRef idx="2">
+            <a:schemeClr val="accent1"/>
+          </a:fillRef>
+          <a:effectRef idx="1">
+            <a:schemeClr val="accent1"/>
+          </a:effectRef>
+          <a:fontRef idx="minor">
+            <a:schemeClr val="dk1"/>
+          </a:fontRef>
+        </p:style>
+        <p:txBody>
+          <a:bodyPr rtlCol="0" anchor="ctr"/>
+          <a:lstStyle/>
+          <a:p>
+            <a:pPr algn="ctr"/>
+            <a:r>
+              <a:rPr lang="fr-FR" dirty="0"/>
+              <a:t>Caméra de surveillance</a:t>
+            </a:r>
+            <a:endParaRPr lang="fr-TN" dirty="0"/>
+          </a:p>
+        </p:txBody>
+      </p:sp>
+      <p:sp>
+        <p:nvSpPr>
+          <p:cNvPr id="6" name="Rectangle 5">
+            <a:extLst>
+              <a:ext uri="{FF2B5EF4-FFF2-40B4-BE49-F238E27FC236}">
+                <a16:creationId xmlns:a16="http://schemas.microsoft.com/office/drawing/2014/main" id="{1D8BD15E-CB5E-3E6E-D21D-B3A11A190412}"/>
+              </a:ext>
+            </a:extLst>
+          </p:cNvPr>
+          <p:cNvSpPr/>
+          <p:nvPr/>
+        </p:nvSpPr>
+        <p:spPr>
+          <a:xfrm>
+            <a:off x="2838222" y="1560733"/>
+            <a:ext cx="1387549" cy="334417"/>
+          </a:xfrm>
+          <a:prstGeom prst="rect">
+            <a:avLst/>
+          </a:prstGeom>
+        </p:spPr>
+        <p:style>
+          <a:lnRef idx="1">
+            <a:schemeClr val="accent1"/>
+          </a:lnRef>
+          <a:fillRef idx="2">
+            <a:schemeClr val="accent1"/>
+          </a:fillRef>
+          <a:effectRef idx="1">
+            <a:schemeClr val="accent1"/>
+          </a:effectRef>
+          <a:fontRef idx="minor">
+            <a:schemeClr val="dk1"/>
+          </a:fontRef>
+        </p:style>
+        <p:txBody>
+          <a:bodyPr rtlCol="0" anchor="ctr"/>
+          <a:lstStyle/>
+          <a:p>
+            <a:pPr algn="ctr"/>
+            <a:r>
+              <a:rPr lang="fr-FR" sz="1800" dirty="0"/>
+              <a:t>Historique</a:t>
+            </a:r>
+            <a:endParaRPr lang="fr-TN" dirty="0"/>
+          </a:p>
+        </p:txBody>
+      </p:sp>
+      <p:sp>
+        <p:nvSpPr>
+          <p:cNvPr id="7" name="Rectangle : coins arrondis 6">
+            <a:extLst>
+              <a:ext uri="{FF2B5EF4-FFF2-40B4-BE49-F238E27FC236}">
+                <a16:creationId xmlns:a16="http://schemas.microsoft.com/office/drawing/2014/main" id="{F16C2F6A-49A1-D902-6203-56A4DCAEA2BD}"/>
+              </a:ext>
+            </a:extLst>
+          </p:cNvPr>
+          <p:cNvSpPr/>
+          <p:nvPr/>
+        </p:nvSpPr>
+        <p:spPr>
+          <a:xfrm>
+            <a:off x="3888436" y="2024360"/>
+            <a:ext cx="2038888" cy="334417"/>
+          </a:xfrm>
+          <a:prstGeom prst="roundRect">
+            <a:avLst/>
+          </a:prstGeom>
+        </p:spPr>
+        <p:style>
+          <a:lnRef idx="2">
+            <a:schemeClr val="accent2">
+              <a:shade val="15000"/>
+            </a:schemeClr>
+          </a:lnRef>
+          <a:fillRef idx="1">
+            <a:schemeClr val="accent2"/>
+          </a:fillRef>
+          <a:effectRef idx="0">
+            <a:schemeClr val="accent2"/>
+          </a:effectRef>
+          <a:fontRef idx="minor">
+            <a:schemeClr val="lt1"/>
+          </a:fontRef>
+        </p:style>
+        <p:txBody>
+          <a:bodyPr rtlCol="0" anchor="ctr"/>
+          <a:lstStyle/>
+          <a:p>
+            <a:pPr algn="ctr"/>
+            <a:r>
+              <a:rPr lang="fr-FR" dirty="0"/>
+              <a:t>Recherche </a:t>
+            </a:r>
+            <a:endParaRPr lang="fr-TN" dirty="0"/>
+          </a:p>
+        </p:txBody>
+      </p:sp>
+      <p:sp>
+        <p:nvSpPr>
+          <p:cNvPr id="9" name="Rectangle 8">
+            <a:extLst>
+              <a:ext uri="{FF2B5EF4-FFF2-40B4-BE49-F238E27FC236}">
+                <a16:creationId xmlns:a16="http://schemas.microsoft.com/office/drawing/2014/main" id="{FBFC19E5-AEDF-A71E-09AD-D6DAD29EACF0}"/>
+              </a:ext>
+            </a:extLst>
+          </p:cNvPr>
+          <p:cNvSpPr/>
+          <p:nvPr/>
+        </p:nvSpPr>
+        <p:spPr>
+          <a:xfrm>
+            <a:off x="3959194" y="2445265"/>
+            <a:ext cx="1897371" cy="1967469"/>
+          </a:xfrm>
+          <a:prstGeom prst="rect">
+            <a:avLst/>
+          </a:prstGeom>
+          <a:solidFill>
+            <a:schemeClr val="accent5">
+              <a:lumMod val="60000"/>
+              <a:lumOff val="40000"/>
+            </a:schemeClr>
+          </a:solidFill>
+        </p:spPr>
+        <p:style>
+          <a:lnRef idx="2">
+            <a:schemeClr val="accent1">
+              <a:shade val="15000"/>
+            </a:schemeClr>
+          </a:lnRef>
+          <a:fillRef idx="1">
+            <a:schemeClr val="accent1"/>
+          </a:fillRef>
+          <a:effectRef idx="0">
+            <a:schemeClr val="accent1"/>
+          </a:effectRef>
+          <a:fontRef idx="minor">
+            <a:schemeClr val="lt1"/>
+          </a:fontRef>
+        </p:style>
+        <p:txBody>
+          <a:bodyPr rtlCol="0" anchor="ctr"/>
+          <a:lstStyle/>
+          <a:p>
+            <a:pPr algn="ctr"/>
+            <a:r>
+              <a:rPr lang="fr-FR" dirty="0"/>
+              <a:t>Résulta de recherche</a:t>
+            </a:r>
+            <a:endParaRPr lang="fr-TN" dirty="0"/>
+          </a:p>
+        </p:txBody>
+      </p:sp>
+      <p:pic>
+        <p:nvPicPr>
+          <p:cNvPr id="11" name="Graphique 10" descr="Loupe">
+            <a:extLst>
+              <a:ext uri="{FF2B5EF4-FFF2-40B4-BE49-F238E27FC236}">
+                <a16:creationId xmlns:a16="http://schemas.microsoft.com/office/drawing/2014/main" id="{A480D49F-3B83-DE1D-494E-2EC19D412D4C}"/>
+              </a:ext>
+            </a:extLst>
+          </p:cNvPr>
+          <p:cNvPicPr>
+            <a:picLocks noChangeAspect="1"/>
+          </p:cNvPicPr>
+          <p:nvPr/>
+        </p:nvPicPr>
+        <p:blipFill>
+          <a:blip r:embed="rId2">
+            <a:extLst>
+              <a:ext uri="{96DAC541-7B7A-43D3-8B79-37D633B846F1}">
+                <asvg:svgBlip xmlns:asvg="http://schemas.microsoft.com/office/drawing/2016/SVG/main" r:embed="rId3"/>
+              </a:ext>
+            </a:extLst>
+          </a:blip>
+          <a:stretch>
+            <a:fillRect/>
+          </a:stretch>
+        </p:blipFill>
+        <p:spPr>
+          <a:xfrm>
+            <a:off x="3959194" y="2047306"/>
+            <a:ext cx="288524" cy="288524"/>
+          </a:xfrm>
+          <a:prstGeom prst="rect">
+            <a:avLst/>
+          </a:prstGeom>
+        </p:spPr>
+      </p:pic>
+    </p:spTree>
+    <p:extLst>
+      <p:ext uri="{BB962C8B-B14F-4D97-AF65-F5344CB8AC3E}">
+        <p14:creationId xmlns:p14="http://schemas.microsoft.com/office/powerpoint/2010/main" val="2746690266"/>
+      </p:ext>
+    </p:extLst>
+  </p:cSld>
+  <p:clrMapOvr>
+    <a:masterClrMapping/>
+  </p:clrMapOvr>
+</p:sld>
+</file>
+
+<file path=ppt/slides/slide3.xml><?xml version="1.0" encoding="utf-8"?>
+<p:sld xmlns:a="http://schemas.openxmlformats.org/drawingml/2006/main" xmlns:r="http://schemas.openxmlformats.org/officeDocument/2006/relationships" xmlns:p="http://schemas.openxmlformats.org/presentationml/2006/main">
+  <p:cSld>
+    <p:spTree>
+      <p:nvGrpSpPr>
         <p:cNvPr id="1" name="">
           <a:extLst>
             <a:ext uri="{FF2B5EF4-FFF2-40B4-BE49-F238E27FC236}">
